--- a/React y Paradigma Reactivo.pptx
+++ b/React y Paradigma Reactivo.pptx
@@ -5,10 +5,10 @@
     <p:sldMasterId id="2147483658" r:id="rId4"/>
   </p:sldMasterIdLst>
   <p:notesMasterIdLst>
-    <p:notesMasterId r:id="rId19"/>
+    <p:notesMasterId r:id="rId20"/>
   </p:notesMasterIdLst>
   <p:handoutMasterIdLst>
-    <p:handoutMasterId r:id="rId20"/>
+    <p:handoutMasterId r:id="rId21"/>
   </p:handoutMasterIdLst>
   <p:sldIdLst>
     <p:sldId id="350" r:id="rId5"/>
@@ -25,6 +25,7 @@
     <p:sldId id="372" r:id="rId16"/>
     <p:sldId id="371" r:id="rId17"/>
     <p:sldId id="373" r:id="rId18"/>
+    <p:sldId id="375" r:id="rId19"/>
   </p:sldIdLst>
   <p:sldSz cx="12192000" cy="6858000"/>
   <p:notesSz cx="6858000" cy="9144000"/>
@@ -17086,6 +17087,143 @@
     <p:extLst>
       <p:ext uri="{BB962C8B-B14F-4D97-AF65-F5344CB8AC3E}">
         <p14:creationId xmlns:p14="http://schemas.microsoft.com/office/powerpoint/2010/main" val="1968831513"/>
+      </p:ext>
+    </p:extLst>
+  </p:cSld>
+  <p:clrMapOvr>
+    <a:masterClrMapping/>
+  </p:clrMapOvr>
+</p:sld>
+</file>
+
+<file path=ppt/slides/slide15.xml><?xml version="1.0" encoding="utf-8"?>
+<p:sld xmlns:a="http://schemas.openxmlformats.org/drawingml/2006/main" xmlns:r="http://schemas.openxmlformats.org/officeDocument/2006/relationships" xmlns:p="http://schemas.openxmlformats.org/presentationml/2006/main">
+  <p:cSld>
+    <p:spTree>
+      <p:nvGrpSpPr>
+        <p:cNvPr id="1" name=""/>
+        <p:cNvGrpSpPr/>
+        <p:nvPr/>
+      </p:nvGrpSpPr>
+      <p:grpSpPr>
+        <a:xfrm>
+          <a:off x="0" y="0"/>
+          <a:ext cx="0" cy="0"/>
+          <a:chOff x="0" y="0"/>
+          <a:chExt cx="0" cy="0"/>
+        </a:xfrm>
+      </p:grpSpPr>
+      <p:sp>
+        <p:nvSpPr>
+          <p:cNvPr id="2" name="Título 1">
+            <a:extLst>
+              <a:ext uri="{FF2B5EF4-FFF2-40B4-BE49-F238E27FC236}">
+                <a16:creationId xmlns:a16="http://schemas.microsoft.com/office/drawing/2014/main" id="{59BED8F8-A789-F832-8E11-6B2B204FC5FF}"/>
+              </a:ext>
+            </a:extLst>
+          </p:cNvPr>
+          <p:cNvSpPr>
+            <a:spLocks noGrp="1"/>
+          </p:cNvSpPr>
+          <p:nvPr>
+            <p:ph type="ctrTitle"/>
+          </p:nvPr>
+        </p:nvSpPr>
+        <p:spPr>
+          <a:xfrm>
+            <a:off x="4554748" y="715992"/>
+            <a:ext cx="7303878" cy="2914209"/>
+          </a:xfrm>
+        </p:spPr>
+        <p:txBody>
+          <a:bodyPr/>
+          <a:lstStyle/>
+          <a:p>
+            <a:r>
+              <a:rPr lang="es-CO" dirty="0"/>
+              <a:t>MUCHAS GRACIAS!</a:t>
+            </a:r>
+            <a:endParaRPr lang="es-ES" dirty="0"/>
+          </a:p>
+        </p:txBody>
+      </p:sp>
+      <p:sp>
+        <p:nvSpPr>
+          <p:cNvPr id="3" name="Marcador de texto 2">
+            <a:extLst>
+              <a:ext uri="{FF2B5EF4-FFF2-40B4-BE49-F238E27FC236}">
+                <a16:creationId xmlns:a16="http://schemas.microsoft.com/office/drawing/2014/main" id="{F62349DA-DDB6-7DB3-6573-6F3C3E9C9D46}"/>
+              </a:ext>
+            </a:extLst>
+          </p:cNvPr>
+          <p:cNvSpPr>
+            <a:spLocks noGrp="1"/>
+          </p:cNvSpPr>
+          <p:nvPr>
+            <p:ph type="body" sz="quarter" idx="11"/>
+          </p:nvPr>
+        </p:nvSpPr>
+        <p:spPr>
+          <a:xfrm>
+            <a:off x="6367056" y="4351146"/>
+            <a:ext cx="5491570" cy="2506854"/>
+          </a:xfrm>
+        </p:spPr>
+        <p:txBody>
+          <a:bodyPr/>
+          <a:lstStyle/>
+          <a:p>
+            <a:r>
+              <a:rPr lang="es-CO" dirty="0"/>
+              <a:t>Gutiérrez Oswald</a:t>
+            </a:r>
+          </a:p>
+          <a:p>
+            <a:r>
+              <a:rPr lang="es-CO" dirty="0"/>
+              <a:t>Flórez Andrés</a:t>
+            </a:r>
+          </a:p>
+          <a:p>
+            <a:r>
+              <a:rPr lang="es-CO" dirty="0"/>
+              <a:t>Ciro Thomas</a:t>
+            </a:r>
+          </a:p>
+          <a:p>
+            <a:r>
+              <a:rPr lang="es-ES" dirty="0"/>
+              <a:t>Sepúlveda Manuel</a:t>
+            </a:r>
+          </a:p>
+          <a:p>
+            <a:r>
+              <a:rPr lang="es-ES" dirty="0"/>
+              <a:t>Sarmiento Liceth</a:t>
+            </a:r>
+          </a:p>
+          <a:p>
+            <a:r>
+              <a:rPr lang="es-ES" dirty="0"/>
+              <a:t>De oro Jesús</a:t>
+            </a:r>
+          </a:p>
+          <a:p>
+            <a:r>
+              <a:rPr lang="es-ES"/>
+              <a:t>Parra </a:t>
+            </a:r>
+            <a:r>
+              <a:rPr lang="es-ES" dirty="0"/>
+              <a:t>Ignacio</a:t>
+            </a:r>
+          </a:p>
+        </p:txBody>
+      </p:sp>
+    </p:spTree>
+    <p:extLst>
+      <p:ext uri="{BB962C8B-B14F-4D97-AF65-F5344CB8AC3E}">
+        <p14:creationId xmlns:p14="http://schemas.microsoft.com/office/powerpoint/2010/main" val="1595644791"/>
       </p:ext>
     </p:extLst>
   </p:cSld>
@@ -20304,12 +20442,6 @@
 </file>
 
 <file path=customXml/item1.xml><?xml version="1.0" encoding="utf-8"?>
-<p:properties xmlns:p="http://schemas.microsoft.com/office/2006/metadata/properties" xmlns:xsi="http://www.w3.org/2001/XMLSchema-instance" xmlns:pc="http://schemas.microsoft.com/office/infopath/2007/PartnerControls">
-  <documentManagement/>
-</p:properties>
-</file>
-
-<file path=customXml/item2.xml><?xml version="1.0" encoding="utf-8"?>
 <?mso-contentType ?>
 <FormTemplates xmlns="http://schemas.microsoft.com/sharepoint/v3/contenttype/forms">
   <Display>DocumentLibraryForm</Display>
@@ -20318,7 +20450,7 @@
 </FormTemplates>
 </file>
 
-<file path=customXml/item3.xml><?xml version="1.0" encoding="utf-8"?>
+<file path=customXml/item2.xml><?xml version="1.0" encoding="utf-8"?>
 <ct:contentTypeSchema xmlns:ct="http://schemas.microsoft.com/office/2006/metadata/contentType" xmlns:ma="http://schemas.microsoft.com/office/2006/metadata/properties/metaAttributes" ct:_="" ma:_="" ma:contentTypeName="Documento" ma:contentTypeID="0x01010055A2A2EC78D6FC4797D7D3A0EBE99F56" ma:contentTypeVersion="7" ma:contentTypeDescription="Crear nuevo documento." ma:contentTypeScope="" ma:versionID="277f8812409dc346c4f7b89b6932eb23">
   <xsd:schema xmlns:xsd="http://www.w3.org/2001/XMLSchema" xmlns:xs="http://www.w3.org/2001/XMLSchema" xmlns:p="http://schemas.microsoft.com/office/2006/metadata/properties" xmlns:ns3="839ae30a-ef76-4202-aa66-8075df45440a" xmlns:ns4="dcf9a063-0aed-4ed6-aa26-b7e809e981e3" targetNamespace="http://schemas.microsoft.com/office/2006/metadata/properties" ma:root="true" ma:fieldsID="aca44d7e6dbe2a0f2db9a6332d185a60" ns3:_="" ns4:_="">
     <xsd:import namespace="839ae30a-ef76-4202-aa66-8075df45440a"/>
@@ -20501,24 +20633,13 @@
 </ct:contentTypeSchema>
 </file>
 
-<file path=customXml/itemProps1.xml><?xml version="1.0" encoding="utf-8"?>
-<ds:datastoreItem xmlns:ds="http://schemas.openxmlformats.org/officeDocument/2006/customXml" ds:itemID="{09EC1AB0-9704-404D-B6D3-819D938AC55B}">
-  <ds:schemaRefs>
-    <ds:schemaRef ds:uri="http://purl.org/dc/terms/"/>
-    <ds:schemaRef ds:uri="http://purl.org/dc/elements/1.1/"/>
-    <ds:schemaRef ds:uri="http://schemas.microsoft.com/office/2006/documentManagement/types"/>
-    <ds:schemaRef ds:uri="839ae30a-ef76-4202-aa66-8075df45440a"/>
-    <ds:schemaRef ds:uri="http://schemas.microsoft.com/office/2006/metadata/properties"/>
-    <ds:schemaRef ds:uri="http://purl.org/dc/dcmitype/"/>
-    <ds:schemaRef ds:uri="http://schemas.microsoft.com/office/infopath/2007/PartnerControls"/>
-    <ds:schemaRef ds:uri="http://schemas.openxmlformats.org/package/2006/metadata/core-properties"/>
-    <ds:schemaRef ds:uri="dcf9a063-0aed-4ed6-aa26-b7e809e981e3"/>
-    <ds:schemaRef ds:uri="http://www.w3.org/XML/1998/namespace"/>
-  </ds:schemaRefs>
-</ds:datastoreItem>
+<file path=customXml/item3.xml><?xml version="1.0" encoding="utf-8"?>
+<p:properties xmlns:p="http://schemas.microsoft.com/office/2006/metadata/properties" xmlns:xsi="http://www.w3.org/2001/XMLSchema-instance" xmlns:pc="http://schemas.microsoft.com/office/infopath/2007/PartnerControls">
+  <documentManagement/>
+</p:properties>
 </file>
 
-<file path=customXml/itemProps2.xml><?xml version="1.0" encoding="utf-8"?>
+<file path=customXml/itemProps1.xml><?xml version="1.0" encoding="utf-8"?>
 <ds:datastoreItem xmlns:ds="http://schemas.openxmlformats.org/officeDocument/2006/customXml" ds:itemID="{1D20B6E4-879E-4E6C-BDE7-261540CD3765}">
   <ds:schemaRefs>
     <ds:schemaRef ds:uri="http://schemas.microsoft.com/sharepoint/v3/contenttype/forms"/>
@@ -20526,7 +20647,7 @@
 </ds:datastoreItem>
 </file>
 
-<file path=customXml/itemProps3.xml><?xml version="1.0" encoding="utf-8"?>
+<file path=customXml/itemProps2.xml><?xml version="1.0" encoding="utf-8"?>
 <ds:datastoreItem xmlns:ds="http://schemas.openxmlformats.org/officeDocument/2006/customXml" ds:itemID="{861056F5-3D18-4D72-953C-A642618DD3CC}">
   <ds:schemaRefs>
     <ds:schemaRef ds:uri="http://schemas.microsoft.com/office/2006/metadata/contentType"/>
@@ -20543,4 +20664,21 @@
     <ds:schemaRef ds:uri="http://schemas.microsoft.com/internal/obd"/>
   </ds:schemaRefs>
 </ds:datastoreItem>
+</file>
+
+<file path=customXml/itemProps3.xml><?xml version="1.0" encoding="utf-8"?>
+<ds:datastoreItem xmlns:ds="http://schemas.openxmlformats.org/officeDocument/2006/customXml" ds:itemID="{09EC1AB0-9704-404D-B6D3-819D938AC55B}">
+  <ds:schemaRefs>
+    <ds:schemaRef ds:uri="http://purl.org/dc/terms/"/>
+    <ds:schemaRef ds:uri="http://purl.org/dc/elements/1.1/"/>
+    <ds:schemaRef ds:uri="http://schemas.microsoft.com/office/2006/documentManagement/types"/>
+    <ds:schemaRef ds:uri="839ae30a-ef76-4202-aa66-8075df45440a"/>
+    <ds:schemaRef ds:uri="http://schemas.microsoft.com/office/2006/metadata/properties"/>
+    <ds:schemaRef ds:uri="http://purl.org/dc/dcmitype/"/>
+    <ds:schemaRef ds:uri="http://schemas.microsoft.com/office/infopath/2007/PartnerControls"/>
+    <ds:schemaRef ds:uri="http://schemas.openxmlformats.org/package/2006/metadata/core-properties"/>
+    <ds:schemaRef ds:uri="dcf9a063-0aed-4ed6-aa26-b7e809e981e3"/>
+    <ds:schemaRef ds:uri="http://www.w3.org/XML/1998/namespace"/>
+  </ds:schemaRefs>
+</ds:datastoreItem>
 </file>